--- a/docs/diagrams/UndoRedoNewCommand4StateListDiagram.pptx
+++ b/docs/diagrams/UndoRedoNewCommand4StateListDiagram.pptx
@@ -261,7 +261,7 @@
           <a:p>
             <a:fld id="{03EC4E3E-8101-482F-A883-8B55DAFF7C07}" type="datetimeFigureOut">
               <a:rPr lang="en-SG" smtClean="0"/>
-              <a:t>26 Feb 2019</a:t>
+              <a:t>15/4/19</a:t>
             </a:fld>
             <a:endParaRPr lang="en-SG"/>
           </a:p>
@@ -461,7 +461,7 @@
           <a:p>
             <a:fld id="{03EC4E3E-8101-482F-A883-8B55DAFF7C07}" type="datetimeFigureOut">
               <a:rPr lang="en-SG" smtClean="0"/>
-              <a:t>26 Feb 2019</a:t>
+              <a:t>15/4/19</a:t>
             </a:fld>
             <a:endParaRPr lang="en-SG"/>
           </a:p>
@@ -671,7 +671,7 @@
           <a:p>
             <a:fld id="{03EC4E3E-8101-482F-A883-8B55DAFF7C07}" type="datetimeFigureOut">
               <a:rPr lang="en-SG" smtClean="0"/>
-              <a:t>26 Feb 2019</a:t>
+              <a:t>15/4/19</a:t>
             </a:fld>
             <a:endParaRPr lang="en-SG"/>
           </a:p>
@@ -871,7 +871,7 @@
           <a:p>
             <a:fld id="{03EC4E3E-8101-482F-A883-8B55DAFF7C07}" type="datetimeFigureOut">
               <a:rPr lang="en-SG" smtClean="0"/>
-              <a:t>26 Feb 2019</a:t>
+              <a:t>15/4/19</a:t>
             </a:fld>
             <a:endParaRPr lang="en-SG"/>
           </a:p>
@@ -1147,7 +1147,7 @@
           <a:p>
             <a:fld id="{03EC4E3E-8101-482F-A883-8B55DAFF7C07}" type="datetimeFigureOut">
               <a:rPr lang="en-SG" smtClean="0"/>
-              <a:t>26 Feb 2019</a:t>
+              <a:t>15/4/19</a:t>
             </a:fld>
             <a:endParaRPr lang="en-SG"/>
           </a:p>
@@ -1415,7 +1415,7 @@
           <a:p>
             <a:fld id="{03EC4E3E-8101-482F-A883-8B55DAFF7C07}" type="datetimeFigureOut">
               <a:rPr lang="en-SG" smtClean="0"/>
-              <a:t>26 Feb 2019</a:t>
+              <a:t>15/4/19</a:t>
             </a:fld>
             <a:endParaRPr lang="en-SG"/>
           </a:p>
@@ -1830,7 +1830,7 @@
           <a:p>
             <a:fld id="{03EC4E3E-8101-482F-A883-8B55DAFF7C07}" type="datetimeFigureOut">
               <a:rPr lang="en-SG" smtClean="0"/>
-              <a:t>26 Feb 2019</a:t>
+              <a:t>15/4/19</a:t>
             </a:fld>
             <a:endParaRPr lang="en-SG"/>
           </a:p>
@@ -1972,7 +1972,7 @@
           <a:p>
             <a:fld id="{03EC4E3E-8101-482F-A883-8B55DAFF7C07}" type="datetimeFigureOut">
               <a:rPr lang="en-SG" smtClean="0"/>
-              <a:t>26 Feb 2019</a:t>
+              <a:t>15/4/19</a:t>
             </a:fld>
             <a:endParaRPr lang="en-SG"/>
           </a:p>
@@ -2085,7 +2085,7 @@
           <a:p>
             <a:fld id="{03EC4E3E-8101-482F-A883-8B55DAFF7C07}" type="datetimeFigureOut">
               <a:rPr lang="en-SG" smtClean="0"/>
-              <a:t>26 Feb 2019</a:t>
+              <a:t>15/4/19</a:t>
             </a:fld>
             <a:endParaRPr lang="en-SG"/>
           </a:p>
@@ -2398,7 +2398,7 @@
           <a:p>
             <a:fld id="{03EC4E3E-8101-482F-A883-8B55DAFF7C07}" type="datetimeFigureOut">
               <a:rPr lang="en-SG" smtClean="0"/>
-              <a:t>26 Feb 2019</a:t>
+              <a:t>15/4/19</a:t>
             </a:fld>
             <a:endParaRPr lang="en-SG"/>
           </a:p>
@@ -2687,7 +2687,7 @@
           <a:p>
             <a:fld id="{03EC4E3E-8101-482F-A883-8B55DAFF7C07}" type="datetimeFigureOut">
               <a:rPr lang="en-SG" smtClean="0"/>
-              <a:t>26 Feb 2019</a:t>
+              <a:t>15/4/19</a:t>
             </a:fld>
             <a:endParaRPr lang="en-SG"/>
           </a:p>
@@ -2930,7 +2930,7 @@
           <a:p>
             <a:fld id="{03EC4E3E-8101-482F-A883-8B55DAFF7C07}" type="datetimeFigureOut">
               <a:rPr lang="en-SG" smtClean="0"/>
-              <a:t>26 Feb 2019</a:t>
+              <a:t>15/4/19</a:t>
             </a:fld>
             <a:endParaRPr lang="en-SG"/>
           </a:p>
@@ -3446,12 +3446,8 @@
           <a:p>
             <a:pPr algn="ctr"/>
             <a:r>
-              <a:rPr lang="en-SG"/>
-              <a:t>State ab2 </a:t>
-            </a:r>
-            <a:r>
               <a:rPr lang="en-SG" dirty="0"/>
-              <a:t>deleted.</a:t>
+              <a:t>State a2 deleted.</a:t>
             </a:r>
           </a:p>
         </p:txBody>
@@ -3651,7 +3647,7 @@
           <p:nvPr>
             <p:extLst>
               <p:ext uri="{D42A27DB-BD31-4B8C-83A1-F6EECF244321}">
-                <p14:modId xmlns:p14="http://schemas.microsoft.com/office/powerpoint/2010/main" val="1352982134"/>
+                <p14:modId xmlns:p14="http://schemas.microsoft.com/office/powerpoint/2010/main" val="2368682547"/>
               </p:ext>
             </p:extLst>
           </p:nvPr>
@@ -3683,11 +3679,11 @@
                     <a:p>
                       <a:r>
                         <a:rPr lang="en-SG" u="sng" dirty="0"/>
-                        <a:t>ab0:</a:t>
+                        <a:t>a0:</a:t>
                       </a:r>
                       <a:r>
                         <a:rPr lang="en-SG" sz="1800" u="sng" dirty="0"/>
-                        <a:t>AddressBook</a:t>
+                        <a:t>Application</a:t>
                       </a:r>
                       <a:endParaRPr lang="en-SG" u="sng" dirty="0"/>
                     </a:p>
@@ -3719,7 +3715,7 @@
           <p:nvPr>
             <p:extLst>
               <p:ext uri="{D42A27DB-BD31-4B8C-83A1-F6EECF244321}">
-                <p14:modId xmlns:p14="http://schemas.microsoft.com/office/powerpoint/2010/main" val="829193732"/>
+                <p14:modId xmlns:p14="http://schemas.microsoft.com/office/powerpoint/2010/main" val="3700450774"/>
               </p:ext>
             </p:extLst>
           </p:nvPr>
@@ -3751,11 +3747,11 @@
                     <a:p>
                       <a:r>
                         <a:rPr lang="en-SG" u="sng" dirty="0"/>
-                        <a:t>ab1:</a:t>
+                        <a:t>a1:</a:t>
                       </a:r>
                       <a:r>
                         <a:rPr lang="en-SG" sz="1800" u="sng" dirty="0"/>
-                        <a:t>AddressBook</a:t>
+                        <a:t>Application</a:t>
                       </a:r>
                       <a:endParaRPr lang="en-SG" u="sng" dirty="0"/>
                     </a:p>
@@ -3787,7 +3783,7 @@
           <p:nvPr>
             <p:extLst>
               <p:ext uri="{D42A27DB-BD31-4B8C-83A1-F6EECF244321}">
-                <p14:modId xmlns:p14="http://schemas.microsoft.com/office/powerpoint/2010/main" val="796708048"/>
+                <p14:modId xmlns:p14="http://schemas.microsoft.com/office/powerpoint/2010/main" val="2423364098"/>
               </p:ext>
             </p:extLst>
           </p:nvPr>
@@ -3819,11 +3815,11 @@
                     <a:p>
                       <a:r>
                         <a:rPr lang="en-SG" u="sng" dirty="0"/>
-                        <a:t>ab2:</a:t>
+                        <a:t>a2:</a:t>
                       </a:r>
                       <a:r>
                         <a:rPr lang="en-SG" sz="1800" u="sng" dirty="0"/>
-                        <a:t>AddressBook</a:t>
+                        <a:t>Application</a:t>
                       </a:r>
                       <a:endParaRPr lang="en-SG" u="sng" dirty="0"/>
                     </a:p>
@@ -3855,7 +3851,7 @@
           <p:nvPr>
             <p:extLst>
               <p:ext uri="{D42A27DB-BD31-4B8C-83A1-F6EECF244321}">
-                <p14:modId xmlns:p14="http://schemas.microsoft.com/office/powerpoint/2010/main" val="377617300"/>
+                <p14:modId xmlns:p14="http://schemas.microsoft.com/office/powerpoint/2010/main" val="3598198073"/>
               </p:ext>
             </p:extLst>
           </p:nvPr>
@@ -3887,11 +3883,11 @@
                     <a:p>
                       <a:r>
                         <a:rPr lang="en-SG" u="sng" dirty="0"/>
-                        <a:t>ab0:</a:t>
+                        <a:t>a0:</a:t>
                       </a:r>
                       <a:r>
                         <a:rPr lang="en-SG" sz="1800" u="sng" dirty="0"/>
-                        <a:t>AddressBook</a:t>
+                        <a:t>Application</a:t>
                       </a:r>
                       <a:endParaRPr lang="en-SG" u="sng" dirty="0"/>
                     </a:p>
@@ -3923,7 +3919,7 @@
           <p:nvPr>
             <p:extLst>
               <p:ext uri="{D42A27DB-BD31-4B8C-83A1-F6EECF244321}">
-                <p14:modId xmlns:p14="http://schemas.microsoft.com/office/powerpoint/2010/main" val="4076322253"/>
+                <p14:modId xmlns:p14="http://schemas.microsoft.com/office/powerpoint/2010/main" val="3485239513"/>
               </p:ext>
             </p:extLst>
           </p:nvPr>
@@ -3955,11 +3951,11 @@
                     <a:p>
                       <a:r>
                         <a:rPr lang="en-SG" u="sng" dirty="0"/>
-                        <a:t>ab1:</a:t>
+                        <a:t>a1:</a:t>
                       </a:r>
                       <a:r>
                         <a:rPr lang="en-SG" sz="1800" u="sng" dirty="0"/>
-                        <a:t>AddressBook</a:t>
+                        <a:t>Application</a:t>
                       </a:r>
                       <a:endParaRPr lang="en-SG" u="sng" dirty="0"/>
                     </a:p>
@@ -3991,7 +3987,7 @@
           <p:nvPr>
             <p:extLst>
               <p:ext uri="{D42A27DB-BD31-4B8C-83A1-F6EECF244321}">
-                <p14:modId xmlns:p14="http://schemas.microsoft.com/office/powerpoint/2010/main" val="53411958"/>
+                <p14:modId xmlns:p14="http://schemas.microsoft.com/office/powerpoint/2010/main" val="4125930953"/>
               </p:ext>
             </p:extLst>
           </p:nvPr>
@@ -4023,11 +4019,11 @@
                     <a:p>
                       <a:r>
                         <a:rPr lang="en-SG" u="sng" dirty="0"/>
-                        <a:t>ab3:</a:t>
+                        <a:t>a3:</a:t>
                       </a:r>
                       <a:r>
                         <a:rPr lang="en-SG" sz="1800" u="sng" dirty="0"/>
-                        <a:t>AddressBook</a:t>
+                        <a:t>Application</a:t>
                       </a:r>
                       <a:endParaRPr lang="en-SG" u="sng" dirty="0"/>
                     </a:p>
